--- a/nodemcu_AM2302_webserver.pptx
+++ b/nodemcu_AM2302_webserver.pptx
@@ -3027,11 +3027,11 @@
             </a:r>
             <a:r>
               <a:rPr lang="ko-KR" altLang="en-US" dirty="0"/>
-              <a:t>인치</a:t>
+              <a:t> </a:t>
             </a:r>
             <a:r>
               <a:rPr lang="en-US" altLang="ko-KR" dirty="0"/>
-              <a:t>)</a:t>
+              <a:t>inch)</a:t>
             </a:r>
             <a:r>
               <a:rPr lang="ko-KR" altLang="en-US" dirty="0"/>
@@ -3122,17 +3122,20 @@
               <a:t>// DHT22 </a:t>
             </a:r>
             <a:r>
-              <a:rPr lang="ko-KR" altLang="en-US" sz="1100" dirty="0" err="1">
-                <a:latin typeface="Consolas" panose="020B0609020204030204" pitchFamily="49" charset="0"/>
-              </a:rPr>
-              <a:t>온습도</a:t>
-            </a:r>
-            <a:r>
               <a:rPr lang="ko-KR" altLang="en-US" sz="1100" dirty="0">
                 <a:latin typeface="Consolas" panose="020B0609020204030204" pitchFamily="49" charset="0"/>
               </a:rPr>
-              <a:t> 센서</a:t>
-            </a:r>
+              <a:t> </a:t>
+            </a:r>
+            <a:r>
+              <a:rPr lang="en-US" altLang="ko-KR" sz="1100" dirty="0">
+                <a:latin typeface="Consolas" panose="020B0609020204030204" pitchFamily="49" charset="0"/>
+              </a:rPr>
+              <a:t>sensor</a:t>
+            </a:r>
+            <a:endParaRPr lang="ko-KR" altLang="en-US" sz="1100" dirty="0">
+              <a:latin typeface="Consolas" panose="020B0609020204030204" pitchFamily="49" charset="0"/>
+            </a:endParaRPr>
           </a:p>
           <a:p>
             <a:r>
